--- a/McCleary_Summer2021.pptx
+++ b/McCleary_Summer2021.pptx
@@ -284,7 +284,7 @@
           <a:p>
             <a:fld id="{6A4B53A7-3209-46A6-9454-F38EAC8F11E7}" type="datetimeFigureOut">
               <a:rPr lang="en-US" smtClean="0"/>
-              <a:t>7/23/2021</a:t>
+              <a:t>8/4/2021</a:t>
             </a:fld>
             <a:endParaRPr lang="en-US"/>
           </a:p>
@@ -535,7 +535,7 @@
           <a:p>
             <a:fld id="{6A4B53A7-3209-46A6-9454-F38EAC8F11E7}" type="datetimeFigureOut">
               <a:rPr lang="en-US" smtClean="0"/>
-              <a:t>7/23/2021</a:t>
+              <a:t>8/4/2021</a:t>
             </a:fld>
             <a:endParaRPr lang="en-US"/>
           </a:p>
@@ -796,7 +796,7 @@
           <a:p>
             <a:fld id="{6A4B53A7-3209-46A6-9454-F38EAC8F11E7}" type="datetimeFigureOut">
               <a:rPr lang="en-US" smtClean="0"/>
-              <a:t>7/23/2021</a:t>
+              <a:t>8/4/2021</a:t>
             </a:fld>
             <a:endParaRPr lang="en-US"/>
           </a:p>
@@ -1047,7 +1047,7 @@
           <a:p>
             <a:fld id="{6A4B53A7-3209-46A6-9454-F38EAC8F11E7}" type="datetimeFigureOut">
               <a:rPr lang="en-US" smtClean="0"/>
-              <a:t>7/23/2021</a:t>
+              <a:t>8/4/2021</a:t>
             </a:fld>
             <a:endParaRPr lang="en-US"/>
           </a:p>
@@ -1375,7 +1375,7 @@
           <a:p>
             <a:fld id="{6A4B53A7-3209-46A6-9454-F38EAC8F11E7}" type="datetimeFigureOut">
               <a:rPr lang="en-US" smtClean="0"/>
-              <a:t>7/23/2021</a:t>
+              <a:t>8/4/2021</a:t>
             </a:fld>
             <a:endParaRPr lang="en-US"/>
           </a:p>
@@ -1693,7 +1693,7 @@
           <a:p>
             <a:fld id="{6A4B53A7-3209-46A6-9454-F38EAC8F11E7}" type="datetimeFigureOut">
               <a:rPr lang="en-US" smtClean="0"/>
-              <a:t>7/23/2021</a:t>
+              <a:t>8/4/2021</a:t>
             </a:fld>
             <a:endParaRPr lang="en-US"/>
           </a:p>
@@ -2158,7 +2158,7 @@
           <a:p>
             <a:fld id="{6A4B53A7-3209-46A6-9454-F38EAC8F11E7}" type="datetimeFigureOut">
               <a:rPr lang="en-US" smtClean="0"/>
-              <a:t>7/23/2021</a:t>
+              <a:t>8/4/2021</a:t>
             </a:fld>
             <a:endParaRPr lang="en-US"/>
           </a:p>
@@ -2352,7 +2352,7 @@
           <a:p>
             <a:fld id="{6A4B53A7-3209-46A6-9454-F38EAC8F11E7}" type="datetimeFigureOut">
               <a:rPr lang="en-US" smtClean="0"/>
-              <a:t>7/23/2021</a:t>
+              <a:t>8/4/2021</a:t>
             </a:fld>
             <a:endParaRPr lang="en-US"/>
           </a:p>
@@ -2518,7 +2518,7 @@
           <a:p>
             <a:fld id="{6A4B53A7-3209-46A6-9454-F38EAC8F11E7}" type="datetimeFigureOut">
               <a:rPr lang="en-US" smtClean="0"/>
-              <a:t>7/23/2021</a:t>
+              <a:t>8/4/2021</a:t>
             </a:fld>
             <a:endParaRPr lang="en-US"/>
           </a:p>
@@ -2882,7 +2882,7 @@
           <a:p>
             <a:fld id="{6A4B53A7-3209-46A6-9454-F38EAC8F11E7}" type="datetimeFigureOut">
               <a:rPr lang="en-US" smtClean="0"/>
-              <a:t>7/23/2021</a:t>
+              <a:t>8/4/2021</a:t>
             </a:fld>
             <a:endParaRPr lang="en-US"/>
           </a:p>
@@ -3226,7 +3226,7 @@
           <a:p>
             <a:fld id="{6A4B53A7-3209-46A6-9454-F38EAC8F11E7}" type="datetimeFigureOut">
               <a:rPr lang="en-US" smtClean="0"/>
-              <a:t>7/23/2021</a:t>
+              <a:t>8/4/2021</a:t>
             </a:fld>
             <a:endParaRPr lang="en-US"/>
           </a:p>
@@ -3521,7 +3521,7 @@
             <a:fld id="{6A4B53A7-3209-46A6-9454-F38EAC8F11E7}" type="datetimeFigureOut">
               <a:rPr lang="en-US" smtClean="0"/>
               <a:pPr/>
-              <a:t>7/23/2021</a:t>
+              <a:t>8/4/2021</a:t>
             </a:fld>
             <a:endParaRPr lang="en-US" dirty="0"/>
           </a:p>
@@ -8926,7 +8926,7 @@
             </a:pPr>
             <a:r>
               <a:rPr lang="en-US" sz="1200"/>
-              <a:t>Learning rate: https://machinelearningmastery.com/learning-rate-for-deep-learning-neural-networks/</a:t>
+              <a:t>Learning rate: https://machinelearningmastery.com/learning-rate-for-deep-learning-neural-networks/s</a:t>
             </a:r>
             <a:endParaRPr lang="en-US" sz="1200" dirty="0"/>
           </a:p>
